--- a/Tareas/Tarea Extraclase 3/TrabajoDatos.pptx
+++ b/Tareas/Tarea Extraclase 3/TrabajoDatos.pptx
@@ -114,6 +114,11 @@
       </a:defRPr>
     </a:lvl9pPr>
   </p:defaultTextStyle>
+  <p:extLst>
+    <p:ext uri="{EFAFB233-063F-42B5-8137-9DF3F51BA10A}">
+      <p15:sldGuideLst xmlns:p15="http://schemas.microsoft.com/office/powerpoint/2012/main"/>
+    </p:ext>
+  </p:extLst>
 </p:presentation>
 </file>
 
@@ -6615,7 +6620,7 @@
         <p:spPr>
           <a:xfrm>
             <a:off x="954157" y="2757268"/>
-            <a:ext cx="10370335" cy="369332"/>
+            <a:ext cx="10370335" cy="646331"/>
           </a:xfrm>
           <a:prstGeom prst="rect">
             <a:avLst/>
@@ -6632,6 +6637,13 @@
               <a:rPr lang="es-CR" dirty="0"/>
               <a:t>Repositorio de GitHub de este ejemplo: </a:t>
             </a:r>
+            <a:r>
+              <a:rPr lang="es-CR" dirty="0">
+                <a:hlinkClick r:id="rId3"/>
+              </a:rPr>
+              <a:t>https://github.com/JoseMendozaMata/Datos-I/tree/master/Tareas/Tarea%20Extraclase%203</a:t>
+            </a:r>
+            <a:endParaRPr lang="es-CR" dirty="0"/>
           </a:p>
         </p:txBody>
       </p:sp>
